--- a/js/StringCalculator TDD Kata JS.pptx
+++ b/js/StringCalculator TDD Kata JS.pptx
@@ -11483,7 +11483,7 @@
                 <a:latin typeface="Courier New" panose="02070309020205020404" pitchFamily="49" charset="0"/>
                 <a:cs typeface="Courier New" panose="02070309020205020404" pitchFamily="49" charset="0"/>
               </a:rPr>
-              <a:t>describe</a:t>
+              <a:t>context</a:t>
             </a:r>
             <a:r>
               <a:rPr lang="en-US" altLang="en-US" sz="1400" dirty="0">
@@ -11509,7 +11509,7 @@
                 <a:latin typeface="Courier New" panose="02070309020205020404" pitchFamily="49" charset="0"/>
                 <a:cs typeface="Courier New" panose="02070309020205020404" pitchFamily="49" charset="0"/>
               </a:rPr>
-              <a:t>"sum coma separated numbers"</a:t>
+              <a:t>"when coma separated numbers"</a:t>
             </a:r>
             <a:r>
               <a:rPr lang="en-US" altLang="en-US" sz="1400" dirty="0">
@@ -12178,7 +12178,7 @@
                 <a:latin typeface="Courier New" panose="02070309020205020404" pitchFamily="49" charset="0"/>
                 <a:cs typeface="Courier New" panose="02070309020205020404" pitchFamily="49" charset="0"/>
               </a:rPr>
-              <a:t>`from "</a:t>
+              <a:t>`sums from "</a:t>
             </a:r>
             <a:r>
               <a:rPr lang="en-US" altLang="en-US" sz="1400" dirty="0">
@@ -12483,7 +12483,7 @@
                 <a:latin typeface="Courier New" panose="02070309020205020404" pitchFamily="49" charset="0"/>
                 <a:cs typeface="Courier New" panose="02070309020205020404" pitchFamily="49" charset="0"/>
               </a:rPr>
-              <a:t>describe</a:t>
+              <a:t>context</a:t>
             </a:r>
             <a:r>
               <a:rPr lang="en-US" altLang="en-US" sz="1400" dirty="0">
@@ -12509,7 +12509,7 @@
                 <a:latin typeface="Courier New" panose="02070309020205020404" pitchFamily="49" charset="0"/>
                 <a:cs typeface="Courier New" panose="02070309020205020404" pitchFamily="49" charset="0"/>
               </a:rPr>
-              <a:t>"sum newline separated numbers"</a:t>
+              <a:t>"when newline separated numbers"</a:t>
             </a:r>
             <a:r>
               <a:rPr lang="en-US" altLang="en-US" sz="1400" dirty="0">
@@ -12843,7 +12843,7 @@
                 <a:latin typeface="Courier New" panose="02070309020205020404" pitchFamily="49" charset="0"/>
                 <a:cs typeface="Courier New" panose="02070309020205020404" pitchFamily="49" charset="0"/>
               </a:rPr>
-              <a:t>`from "</a:t>
+              <a:t>`sums from "</a:t>
             </a:r>
             <a:r>
               <a:rPr lang="en-US" altLang="en-US" sz="1400" dirty="0">
@@ -14134,7 +14134,7 @@
                 <a:latin typeface="Courier New" panose="02070309020205020404" pitchFamily="49" charset="0"/>
                 <a:cs typeface="Courier New" panose="02070309020205020404" pitchFamily="49" charset="0"/>
               </a:rPr>
-              <a:t>describe</a:t>
+              <a:t>context</a:t>
             </a:r>
             <a:r>
               <a:rPr lang="en-US" altLang="en-US" sz="1400" dirty="0">
@@ -14160,7 +14160,7 @@
                 <a:latin typeface="Courier New" panose="02070309020205020404" pitchFamily="49" charset="0"/>
                 <a:cs typeface="Courier New" panose="02070309020205020404" pitchFamily="49" charset="0"/>
               </a:rPr>
-              <a:t>"sum delimiter from first special line"</a:t>
+              <a:t>"when delimiter from first special line"</a:t>
             </a:r>
             <a:r>
               <a:rPr lang="en-US" altLang="en-US" sz="1400" dirty="0">
@@ -14623,7 +14623,7 @@
                 <a:latin typeface="Courier New" panose="02070309020205020404" pitchFamily="49" charset="0"/>
                 <a:cs typeface="Courier New" panose="02070309020205020404" pitchFamily="49" charset="0"/>
               </a:rPr>
-              <a:t>`from "</a:t>
+              <a:t>`sums from "</a:t>
             </a:r>
             <a:r>
               <a:rPr lang="en-US" altLang="en-US" sz="1400" dirty="0">
@@ -16516,7 +16516,7 @@
                 <a:latin typeface="Courier New" panose="02070309020205020404" pitchFamily="49" charset="0"/>
                 <a:cs typeface="Courier New" panose="02070309020205020404" pitchFamily="49" charset="0"/>
               </a:rPr>
-              <a:t>describe</a:t>
+              <a:t>context</a:t>
             </a:r>
             <a:r>
               <a:rPr lang="en-US" altLang="en-US" sz="1400" dirty="0">
@@ -16542,7 +16542,7 @@
                 <a:latin typeface="Courier New" panose="02070309020205020404" pitchFamily="49" charset="0"/>
                 <a:cs typeface="Courier New" panose="02070309020205020404" pitchFamily="49" charset="0"/>
               </a:rPr>
-              <a:t>"sum delimiter from first special line"</a:t>
+              <a:t>"when delimiter from first special line"</a:t>
             </a:r>
             <a:r>
               <a:rPr lang="en-US" altLang="en-US" sz="1400" dirty="0">
@@ -17005,7 +17005,7 @@
                 <a:latin typeface="Courier New" panose="02070309020205020404" pitchFamily="49" charset="0"/>
                 <a:cs typeface="Courier New" panose="02070309020205020404" pitchFamily="49" charset="0"/>
               </a:rPr>
-              <a:t>`from "</a:t>
+              <a:t>`sums from "</a:t>
             </a:r>
             <a:r>
               <a:rPr lang="en-US" altLang="en-US" sz="1400" dirty="0">
@@ -19447,7 +19447,7 @@
                 <a:latin typeface="Courier New" panose="02070309020205020404" pitchFamily="49" charset="0"/>
                 <a:cs typeface="Courier New" panose="02070309020205020404" pitchFamily="49" charset="0"/>
               </a:rPr>
-              <a:t>"throw exception on negative numbers"</a:t>
+              <a:t>"throws exception on negative numbers"</a:t>
             </a:r>
             <a:r>
               <a:rPr lang="en-US" altLang="en-US" sz="1400" dirty="0">
@@ -21741,7 +21741,7 @@
                 <a:latin typeface="Courier New" panose="02070309020205020404" pitchFamily="49" charset="0"/>
                 <a:cs typeface="Courier New" panose="02070309020205020404" pitchFamily="49" charset="0"/>
               </a:rPr>
-              <a:t>"throw exception on negative numbers"</a:t>
+              <a:t>"throws exception on negative numbers"</a:t>
             </a:r>
             <a:r>
               <a:rPr lang="en-US" altLang="en-US" sz="1400" dirty="0">
@@ -22009,7 +22009,7 @@
                 <a:latin typeface="Courier New" panose="02070309020205020404" pitchFamily="49" charset="0"/>
                 <a:cs typeface="Courier New" panose="02070309020205020404" pitchFamily="49" charset="0"/>
               </a:rPr>
-              <a:t>"list all negatives in exception message when fail"</a:t>
+              <a:t>"lists all negatives in exception message when fail"</a:t>
             </a:r>
             <a:r>
               <a:rPr lang="en-US" altLang="en-US" sz="1400" dirty="0">
@@ -25831,10 +25831,10 @@
       </p:grpSpPr>
       <p:pic>
         <p:nvPicPr>
-          <p:cNvPr id="2" name="Рисунок 1">
+          <p:cNvPr id="5" name="Рисунок 4">
             <a:extLst>
               <a:ext uri="{FF2B5EF4-FFF2-40B4-BE49-F238E27FC236}">
-                <a16:creationId xmlns:a16="http://schemas.microsoft.com/office/drawing/2014/main" id="{21D1B539-71F3-4BEC-A397-F8FA713ED4F3}"/>
+                <a16:creationId xmlns:a16="http://schemas.microsoft.com/office/drawing/2014/main" id="{B9CCFD15-EB2C-4D65-ABA0-B529B731B187}"/>
               </a:ext>
             </a:extLst>
           </p:cNvPr>
@@ -25844,15 +25844,21 @@
           <p:nvPr/>
         </p:nvPicPr>
         <p:blipFill>
-          <a:blip r:embed="rId2"/>
+          <a:blip r:embed="rId2">
+            <a:extLst>
+              <a:ext uri="{28A0092B-C50C-407E-A947-70E740481C1C}">
+                <a14:useLocalDpi xmlns:a14="http://schemas.microsoft.com/office/drawing/2010/main" val="0"/>
+              </a:ext>
+            </a:extLst>
+          </a:blip>
           <a:stretch>
             <a:fillRect/>
           </a:stretch>
         </p:blipFill>
         <p:spPr>
           <a:xfrm>
-            <a:off x="2611510" y="549275"/>
-            <a:ext cx="6968979" cy="5766909"/>
+            <a:off x="2342480" y="549275"/>
+            <a:ext cx="7507040" cy="5759450"/>
           </a:xfrm>
           <a:prstGeom prst="rect">
             <a:avLst/>
@@ -26126,7 +26132,7 @@
                 <a:latin typeface="Courier New" panose="02070309020205020404" pitchFamily="49" charset="0"/>
                 <a:cs typeface="Courier New" panose="02070309020205020404" pitchFamily="49" charset="0"/>
               </a:rPr>
-              <a:t>"return zero on empty input"</a:t>
+              <a:t>"returns zero on empty input"</a:t>
             </a:r>
             <a:r>
               <a:rPr lang="en-US" altLang="en-US" sz="1600" dirty="0">
@@ -27425,7 +27431,7 @@
                 <a:latin typeface="Courier New" panose="02070309020205020404" pitchFamily="49" charset="0"/>
                 <a:cs typeface="Courier New" panose="02070309020205020404" pitchFamily="49" charset="0"/>
               </a:rPr>
-              <a:t>"return zero on empty input"</a:t>
+              <a:t>"returns zero on empty input"</a:t>
             </a:r>
             <a:r>
               <a:rPr lang="en-US" altLang="en-US" sz="1600" dirty="0">
@@ -27989,7 +27995,7 @@
                 <a:latin typeface="Courier New" panose="02070309020205020404" pitchFamily="49" charset="0"/>
                 <a:cs typeface="Courier New" panose="02070309020205020404" pitchFamily="49" charset="0"/>
               </a:rPr>
-              <a:t>"return number itself on single number input"</a:t>
+              <a:t>"returns number itself on single number input"</a:t>
             </a:r>
             <a:r>
               <a:rPr lang="en-US" altLang="en-US" sz="1600" dirty="0">
@@ -29326,7 +29332,7 @@
                 <a:latin typeface="Courier New" panose="02070309020205020404" pitchFamily="49" charset="0"/>
                 <a:cs typeface="Courier New" panose="02070309020205020404" pitchFamily="49" charset="0"/>
               </a:rPr>
-              <a:t>"return zero on empty input"</a:t>
+              <a:t>"returns zero on empty input"</a:t>
             </a:r>
             <a:r>
               <a:rPr lang="en-US" altLang="en-US" sz="1600" dirty="0">
@@ -29878,7 +29884,7 @@
                 <a:latin typeface="Courier New" panose="02070309020205020404" pitchFamily="49" charset="0"/>
                 <a:cs typeface="Courier New" panose="02070309020205020404" pitchFamily="49" charset="0"/>
               </a:rPr>
-              <a:t>"return number itself on single number input"</a:t>
+              <a:t>"returns number itself on single number input"</a:t>
             </a:r>
             <a:r>
               <a:rPr lang="en-US" altLang="en-US" sz="1600" dirty="0">
@@ -30430,7 +30436,7 @@
                 <a:latin typeface="Courier New" panose="02070309020205020404" pitchFamily="49" charset="0"/>
                 <a:cs typeface="Courier New" panose="02070309020205020404" pitchFamily="49" charset="0"/>
               </a:rPr>
-              <a:t>"return sum on two comma separated numbers input"</a:t>
+              <a:t>"returns sum on two comma separated numbers input"</a:t>
             </a:r>
             <a:r>
               <a:rPr lang="en-US" altLang="en-US" sz="1600" dirty="0">
@@ -31804,7 +31810,7 @@
                 <a:latin typeface="Courier New" panose="02070309020205020404" pitchFamily="49" charset="0"/>
                 <a:cs typeface="Courier New" panose="02070309020205020404" pitchFamily="49" charset="0"/>
               </a:rPr>
-              <a:t>"return zero on empty input"</a:t>
+              <a:t>"returns zero on empty input"</a:t>
             </a:r>
             <a:r>
               <a:rPr lang="en-US" altLang="en-US" sz="1600" dirty="0">
@@ -32356,7 +32362,7 @@
                 <a:latin typeface="Courier New" panose="02070309020205020404" pitchFamily="49" charset="0"/>
                 <a:cs typeface="Courier New" panose="02070309020205020404" pitchFamily="49" charset="0"/>
               </a:rPr>
-              <a:t>"return number itself on single number input"</a:t>
+              <a:t>"returns number itself on single number input"</a:t>
             </a:r>
             <a:r>
               <a:rPr lang="en-US" altLang="en-US" sz="1600" dirty="0">
@@ -32908,7 +32914,7 @@
                 <a:latin typeface="Courier New" panose="02070309020205020404" pitchFamily="49" charset="0"/>
                 <a:cs typeface="Courier New" panose="02070309020205020404" pitchFamily="49" charset="0"/>
               </a:rPr>
-              <a:t>"return sum on two comma separated numbers input"</a:t>
+              <a:t>"returns sum on two comma separated numbers input"</a:t>
             </a:r>
             <a:r>
               <a:rPr lang="en-US" altLang="en-US" sz="1600" dirty="0">
@@ -34494,7 +34500,7 @@
                 <a:latin typeface="Courier New" panose="02070309020205020404" pitchFamily="49" charset="0"/>
                 <a:cs typeface="Courier New" panose="02070309020205020404" pitchFamily="49" charset="0"/>
               </a:rPr>
-              <a:t>describe</a:t>
+              <a:t>context</a:t>
             </a:r>
             <a:r>
               <a:rPr lang="en-US" altLang="en-US" sz="1400" dirty="0">
@@ -34520,7 +34526,7 @@
                 <a:latin typeface="Courier New" panose="02070309020205020404" pitchFamily="49" charset="0"/>
                 <a:cs typeface="Courier New" panose="02070309020205020404" pitchFamily="49" charset="0"/>
               </a:rPr>
-              <a:t>"sum coma separated numbers"</a:t>
+              <a:t>"when comma separated numbers"</a:t>
             </a:r>
             <a:r>
               <a:rPr lang="en-US" altLang="en-US" sz="1400" dirty="0">
@@ -35060,7 +35066,7 @@
                 <a:latin typeface="Courier New" panose="02070309020205020404" pitchFamily="49" charset="0"/>
                 <a:cs typeface="Courier New" panose="02070309020205020404" pitchFamily="49" charset="0"/>
               </a:rPr>
-              <a:t>`from "</a:t>
+              <a:t>`sums from "</a:t>
             </a:r>
             <a:r>
               <a:rPr lang="en-US" altLang="en-US" sz="1400" dirty="0">
@@ -36476,7 +36482,7 @@
                 <a:latin typeface="Courier New" panose="02070309020205020404" pitchFamily="49" charset="0"/>
                 <a:cs typeface="Courier New" panose="02070309020205020404" pitchFamily="49" charset="0"/>
               </a:rPr>
-              <a:t>describe</a:t>
+              <a:t>context</a:t>
             </a:r>
             <a:r>
               <a:rPr lang="en-US" altLang="en-US" sz="1400" dirty="0">
@@ -36502,7 +36508,7 @@
                 <a:latin typeface="Courier New" panose="02070309020205020404" pitchFamily="49" charset="0"/>
                 <a:cs typeface="Courier New" panose="02070309020205020404" pitchFamily="49" charset="0"/>
               </a:rPr>
-              <a:t>"sum coma separated numbers"</a:t>
+              <a:t>"when coma separated numbers"</a:t>
             </a:r>
             <a:r>
               <a:rPr lang="en-US" altLang="en-US" sz="1400" dirty="0">
@@ -37171,7 +37177,7 @@
                 <a:latin typeface="Courier New" panose="02070309020205020404" pitchFamily="49" charset="0"/>
                 <a:cs typeface="Courier New" panose="02070309020205020404" pitchFamily="49" charset="0"/>
               </a:rPr>
-              <a:t>`from "</a:t>
+              <a:t>`sums from "</a:t>
             </a:r>
             <a:r>
               <a:rPr lang="en-US" altLang="en-US" sz="1400" dirty="0">
